--- a/Shawn/Week05-20160430/Week05.pptx
+++ b/Shawn/Week05-20160430/Week05.pptx
@@ -8,7 +8,8 @@
     <p:sldId id="256" r:id="rId2"/>
     <p:sldId id="271" r:id="rId3"/>
     <p:sldId id="272" r:id="rId4"/>
-    <p:sldId id="273" r:id="rId5"/>
+    <p:sldId id="274" r:id="rId5"/>
+    <p:sldId id="273" r:id="rId6"/>
   </p:sldIdLst>
   <p:sldSz cx="12192000" cy="6858000"/>
   <p:notesSz cx="6858000" cy="9144000"/>
@@ -5872,11 +5873,7 @@
           <a:p>
             <a:r>
               <a:rPr lang="en-US" dirty="0" smtClean="0"/>
-              <a:t>Week </a:t>
-            </a:r>
-            <a:r>
-              <a:rPr lang="en-US" dirty="0" smtClean="0"/>
-              <a:t>05</a:t>
+              <a:t>Week 05</a:t>
             </a:r>
             <a:endParaRPr lang="en-US" dirty="0"/>
           </a:p>
@@ -6262,6 +6259,363 @@
       </p:grpSpPr>
       <p:sp>
         <p:nvSpPr>
+          <p:cNvPr id="3" name="Content Placeholder 2"/>
+          <p:cNvSpPr>
+            <a:spLocks noGrp="1"/>
+          </p:cNvSpPr>
+          <p:nvPr>
+            <p:ph idx="1"/>
+          </p:nvPr>
+        </p:nvSpPr>
+        <p:spPr>
+          <a:xfrm>
+            <a:off x="688622" y="444678"/>
+            <a:ext cx="8596668" cy="4906255"/>
+          </a:xfrm>
+        </p:spPr>
+        <p:txBody>
+          <a:bodyPr>
+            <a:normAutofit/>
+          </a:bodyPr>
+          <a:lstStyle/>
+          <a:p>
+            <a:pPr marL="0" indent="0">
+              <a:buNone/>
+            </a:pPr>
+            <a:r>
+              <a:rPr lang="en-US" dirty="0"/>
+              <a:t>U</a:t>
+            </a:r>
+            <a:r>
+              <a:rPr lang="en-US" dirty="0" smtClean="0"/>
+              <a:t>sing </a:t>
+            </a:r>
+            <a:r>
+              <a:rPr lang="en-US" dirty="0"/>
+              <a:t>two pointers, one of them one step at a time. another pointer each take two steps. </a:t>
+            </a:r>
+            <a:endParaRPr lang="en-US" dirty="0" smtClean="0"/>
+          </a:p>
+          <a:p>
+            <a:pPr marL="0" indent="0">
+              <a:buNone/>
+            </a:pPr>
+            <a:r>
+              <a:rPr lang="en-US" dirty="0" smtClean="0"/>
+              <a:t>Suppose </a:t>
+            </a:r>
+            <a:r>
+              <a:rPr lang="en-US" dirty="0"/>
+              <a:t>the first meet at step </a:t>
+            </a:r>
+            <a:r>
+              <a:rPr lang="en-US" b="1" i="1" dirty="0">
+                <a:solidFill>
+                  <a:srgbClr val="FF0000"/>
+                </a:solidFill>
+              </a:rPr>
+              <a:t>k</a:t>
+            </a:r>
+            <a:r>
+              <a:rPr lang="en-US" dirty="0" smtClean="0"/>
+              <a:t>, the </a:t>
+            </a:r>
+            <a:r>
+              <a:rPr lang="en-US" dirty="0"/>
+              <a:t>length of the Cycle is </a:t>
+            </a:r>
+            <a:r>
+              <a:rPr lang="en-US" b="1" i="1" dirty="0">
+                <a:solidFill>
+                  <a:srgbClr val="FF0000"/>
+                </a:solidFill>
+              </a:rPr>
+              <a:t>r</a:t>
+            </a:r>
+            <a:r>
+              <a:rPr lang="en-US" dirty="0"/>
+              <a:t>. </a:t>
+            </a:r>
+            <a:endParaRPr lang="en-US" dirty="0" smtClean="0"/>
+          </a:p>
+          <a:p>
+            <a:pPr marL="0" indent="0">
+              <a:buNone/>
+            </a:pPr>
+            <a:r>
+              <a:rPr lang="en-US" dirty="0" smtClean="0"/>
+              <a:t>So </a:t>
+            </a:r>
+            <a:r>
+              <a:rPr lang="en-US" b="1" dirty="0" smtClean="0">
+                <a:solidFill>
+                  <a:srgbClr val="FF0000"/>
+                </a:solidFill>
+              </a:rPr>
+              <a:t>2k – k = </a:t>
+            </a:r>
+            <a:r>
+              <a:rPr lang="en-US" b="1" dirty="0" err="1" smtClean="0">
+                <a:solidFill>
+                  <a:srgbClr val="FF0000"/>
+                </a:solidFill>
+              </a:rPr>
+              <a:t>nr</a:t>
+            </a:r>
+            <a:r>
+              <a:rPr lang="en-US" b="1" dirty="0" smtClean="0">
+                <a:solidFill>
+                  <a:srgbClr val="FF0000"/>
+                </a:solidFill>
+              </a:rPr>
+              <a:t>, k = </a:t>
+            </a:r>
+            <a:r>
+              <a:rPr lang="en-US" b="1" dirty="0" err="1" smtClean="0">
+                <a:solidFill>
+                  <a:srgbClr val="FF0000"/>
+                </a:solidFill>
+              </a:rPr>
+              <a:t>nr</a:t>
+            </a:r>
+            <a:endParaRPr lang="en-US" b="1" dirty="0" smtClean="0">
+              <a:solidFill>
+                <a:srgbClr val="FF0000"/>
+              </a:solidFill>
+            </a:endParaRPr>
+          </a:p>
+          <a:p>
+            <a:pPr marL="0" indent="0">
+              <a:buNone/>
+            </a:pPr>
+            <a:r>
+              <a:rPr lang="en-US" dirty="0"/>
+              <a:t>T</a:t>
+            </a:r>
+            <a:r>
+              <a:rPr lang="en-US" dirty="0" smtClean="0"/>
+              <a:t>he </a:t>
+            </a:r>
+            <a:r>
+              <a:rPr lang="en-US" dirty="0"/>
+              <a:t>distance between the start node of list and the start node of cycle is </a:t>
+            </a:r>
+            <a:r>
+              <a:rPr lang="en-US" b="1" i="1" dirty="0">
+                <a:solidFill>
+                  <a:srgbClr val="FF0000"/>
+                </a:solidFill>
+              </a:rPr>
+              <a:t>s</a:t>
+            </a:r>
+            <a:r>
+              <a:rPr lang="en-US" dirty="0"/>
+              <a:t>. </a:t>
+            </a:r>
+            <a:endParaRPr lang="en-US" dirty="0" smtClean="0"/>
+          </a:p>
+          <a:p>
+            <a:pPr marL="0" indent="0">
+              <a:buNone/>
+            </a:pPr>
+            <a:r>
+              <a:rPr lang="en-US" dirty="0" smtClean="0"/>
+              <a:t>The </a:t>
+            </a:r>
+            <a:r>
+              <a:rPr lang="en-US" dirty="0"/>
+              <a:t>distance between the start of list and the first meeting node is </a:t>
+            </a:r>
+            <a:r>
+              <a:rPr lang="en-US" b="1" i="1" dirty="0">
+                <a:solidFill>
+                  <a:srgbClr val="FF0000"/>
+                </a:solidFill>
+              </a:rPr>
+              <a:t>k</a:t>
+            </a:r>
+            <a:r>
+              <a:rPr lang="en-US" dirty="0"/>
+              <a:t>(the pointer which </a:t>
+            </a:r>
+            <a:r>
+              <a:rPr lang="en-US" dirty="0" smtClean="0"/>
+              <a:t>walk one </a:t>
+            </a:r>
+            <a:r>
+              <a:rPr lang="en-US" dirty="0"/>
+              <a:t>step at a time </a:t>
+            </a:r>
+            <a:r>
+              <a:rPr lang="en-US" dirty="0"/>
+              <a:t>walk </a:t>
+            </a:r>
+            <a:r>
+              <a:rPr lang="en-US" dirty="0" smtClean="0">
+                <a:solidFill>
+                  <a:srgbClr val="FF0000"/>
+                </a:solidFill>
+              </a:rPr>
+              <a:t>k</a:t>
+            </a:r>
+            <a:r>
+              <a:rPr lang="en-US" dirty="0" smtClean="0"/>
+              <a:t> </a:t>
+            </a:r>
+            <a:r>
+              <a:rPr lang="en-US" dirty="0"/>
+              <a:t>steps</a:t>
+            </a:r>
+            <a:r>
+              <a:rPr lang="en-US" dirty="0" smtClean="0"/>
+              <a:t>).</a:t>
+            </a:r>
+          </a:p>
+          <a:p>
+            <a:pPr marL="0" indent="0">
+              <a:buNone/>
+            </a:pPr>
+            <a:r>
+              <a:rPr lang="en-US" dirty="0" smtClean="0"/>
+              <a:t>The </a:t>
+            </a:r>
+            <a:r>
+              <a:rPr lang="en-US" dirty="0"/>
+              <a:t>distance between the start node of cycle and the first meeting node is </a:t>
+            </a:r>
+            <a:r>
+              <a:rPr lang="en-US" b="1" i="1" dirty="0" smtClean="0">
+                <a:solidFill>
+                  <a:srgbClr val="FF0000"/>
+                </a:solidFill>
+              </a:rPr>
+              <a:t>m</a:t>
+            </a:r>
+            <a:r>
+              <a:rPr lang="en-US" dirty="0" smtClean="0"/>
+              <a:t> </a:t>
+            </a:r>
+          </a:p>
+          <a:p>
+            <a:pPr marL="0" indent="0">
+              <a:buNone/>
+            </a:pPr>
+            <a:r>
+              <a:rPr lang="en-US" dirty="0" smtClean="0"/>
+              <a:t>So </a:t>
+            </a:r>
+            <a:r>
+              <a:rPr lang="en-US" b="1" dirty="0" smtClean="0">
+                <a:solidFill>
+                  <a:srgbClr val="FF0000"/>
+                </a:solidFill>
+              </a:rPr>
+              <a:t>s = k - m</a:t>
+            </a:r>
+            <a:r>
+              <a:rPr lang="en-US" b="1" dirty="0">
+                <a:solidFill>
+                  <a:srgbClr val="FF0000"/>
+                </a:solidFill>
+              </a:rPr>
+              <a:t>, </a:t>
+            </a:r>
+            <a:r>
+              <a:rPr lang="en-US" b="1" dirty="0" smtClean="0">
+                <a:solidFill>
+                  <a:srgbClr val="FF0000"/>
+                </a:solidFill>
+              </a:rPr>
+              <a:t>s = </a:t>
+            </a:r>
+            <a:r>
+              <a:rPr lang="en-US" b="1" dirty="0" err="1" smtClean="0">
+                <a:solidFill>
+                  <a:srgbClr val="FF0000"/>
+                </a:solidFill>
+              </a:rPr>
+              <a:t>nr</a:t>
+            </a:r>
+            <a:r>
+              <a:rPr lang="en-US" b="1" dirty="0" smtClean="0">
+                <a:solidFill>
+                  <a:srgbClr val="FF0000"/>
+                </a:solidFill>
+              </a:rPr>
+              <a:t> – m = (n - 1)r + (r - m)</a:t>
+            </a:r>
+            <a:r>
+              <a:rPr lang="en-US" dirty="0" smtClean="0"/>
+              <a:t>.</a:t>
+            </a:r>
+          </a:p>
+          <a:p>
+            <a:pPr marL="0" indent="0">
+              <a:buNone/>
+            </a:pPr>
+            <a:r>
+              <a:rPr lang="en-US" dirty="0" smtClean="0"/>
+              <a:t>So</a:t>
+            </a:r>
+            <a:r>
+              <a:rPr lang="en-US" dirty="0"/>
+              <a:t>, using one pointer start from the start node of list, another pointer start from the first meeting node, all of them </a:t>
+            </a:r>
+            <a:r>
+              <a:rPr lang="en-US" dirty="0"/>
+              <a:t>walk </a:t>
+            </a:r>
+            <a:r>
+              <a:rPr lang="en-US" dirty="0" smtClean="0"/>
+              <a:t>one </a:t>
+            </a:r>
+            <a:r>
+              <a:rPr lang="en-US" dirty="0"/>
+              <a:t>step at a time, the first time they meeting each other is the start of the cycle.</a:t>
+            </a:r>
+            <a:endParaRPr lang="en-US" dirty="0"/>
+          </a:p>
+        </p:txBody>
+      </p:sp>
+    </p:spTree>
+    <p:extLst>
+      <p:ext uri="{BB962C8B-B14F-4D97-AF65-F5344CB8AC3E}">
+        <p14:creationId xmlns:p14="http://schemas.microsoft.com/office/powerpoint/2010/main" val="2740001808"/>
+      </p:ext>
+    </p:extLst>
+  </p:cSld>
+  <p:clrMapOvr>
+    <a:masterClrMapping/>
+  </p:clrMapOvr>
+  <p:timing>
+    <p:tnLst>
+      <p:par>
+        <p:cTn id="1" dur="indefinite" restart="never" nodeType="tmRoot"/>
+      </p:par>
+    </p:tnLst>
+  </p:timing>
+</p:sld>
+</file>
+
+<file path=ppt/slides/slide5.xml><?xml version="1.0" encoding="utf-8"?>
+<p:sld xmlns:a="http://schemas.openxmlformats.org/drawingml/2006/main" xmlns:r="http://schemas.openxmlformats.org/officeDocument/2006/relationships" xmlns:p="http://schemas.openxmlformats.org/presentationml/2006/main">
+  <p:cSld>
+    <p:spTree>
+      <p:nvGrpSpPr>
+        <p:cNvPr id="1" name=""/>
+        <p:cNvGrpSpPr/>
+        <p:nvPr/>
+      </p:nvGrpSpPr>
+      <p:grpSpPr>
+        <a:xfrm>
+          <a:off x="0" y="0"/>
+          <a:ext cx="0" cy="0"/>
+          <a:chOff x="0" y="0"/>
+          <a:chExt cx="0" cy="0"/>
+        </a:xfrm>
+      </p:grpSpPr>
+      <p:sp>
+        <p:nvSpPr>
           <p:cNvPr id="4" name="Rectangle 3"/>
           <p:cNvSpPr/>
           <p:nvPr/>
@@ -6310,6 +6664,13 @@
   <p:clrMapOvr>
     <a:masterClrMapping/>
   </p:clrMapOvr>
+  <p:timing>
+    <p:tnLst>
+      <p:par>
+        <p:cTn id="1" dur="indefinite" restart="never" nodeType="tmRoot"/>
+      </p:par>
+    </p:tnLst>
+  </p:timing>
 </p:sld>
 </file>
 

--- a/Shawn/Week05-20160430/Week05.pptx
+++ b/Shawn/Week05-20160430/Week05.pptx
@@ -7,9 +7,8 @@
   <p:sldIdLst>
     <p:sldId id="256" r:id="rId2"/>
     <p:sldId id="271" r:id="rId3"/>
-    <p:sldId id="272" r:id="rId4"/>
-    <p:sldId id="274" r:id="rId5"/>
-    <p:sldId id="273" r:id="rId6"/>
+    <p:sldId id="274" r:id="rId4"/>
+    <p:sldId id="273" r:id="rId5"/>
   </p:sldIdLst>
   <p:sldSz cx="12192000" cy="6858000"/>
   <p:notesSz cx="6858000" cy="9144000"/>
@@ -6187,78 +6186,6 @@
       </p:grpSpPr>
       <p:sp>
         <p:nvSpPr>
-          <p:cNvPr id="2" name="Title 1"/>
-          <p:cNvSpPr>
-            <a:spLocks noGrp="1"/>
-          </p:cNvSpPr>
-          <p:nvPr>
-            <p:ph type="title"/>
-          </p:nvPr>
-        </p:nvSpPr>
-        <p:spPr/>
-        <p:txBody>
-          <a:bodyPr/>
-          <a:lstStyle/>
-          <a:p>
-            <a:r>
-              <a:rPr lang="en-US" dirty="0" smtClean="0"/>
-              <a:t>Time (Space) Complexity</a:t>
-            </a:r>
-            <a:endParaRPr lang="en-US" dirty="0"/>
-          </a:p>
-        </p:txBody>
-      </p:sp>
-      <p:sp>
-        <p:nvSpPr>
-          <p:cNvPr id="3" name="Content Placeholder 2"/>
-          <p:cNvSpPr>
-            <a:spLocks noGrp="1"/>
-          </p:cNvSpPr>
-          <p:nvPr>
-            <p:ph idx="1"/>
-          </p:nvPr>
-        </p:nvSpPr>
-        <p:spPr/>
-        <p:txBody>
-          <a:bodyPr/>
-          <a:lstStyle/>
-          <a:p>
-            <a:endParaRPr lang="en-US"/>
-          </a:p>
-        </p:txBody>
-      </p:sp>
-    </p:spTree>
-    <p:extLst>
-      <p:ext uri="{BB962C8B-B14F-4D97-AF65-F5344CB8AC3E}">
-        <p14:creationId xmlns:p14="http://schemas.microsoft.com/office/powerpoint/2010/main" val="214126813"/>
-      </p:ext>
-    </p:extLst>
-  </p:cSld>
-  <p:clrMapOvr>
-    <a:masterClrMapping/>
-  </p:clrMapOvr>
-</p:sld>
-</file>
-
-<file path=ppt/slides/slide4.xml><?xml version="1.0" encoding="utf-8"?>
-<p:sld xmlns:a="http://schemas.openxmlformats.org/drawingml/2006/main" xmlns:r="http://schemas.openxmlformats.org/officeDocument/2006/relationships" xmlns:p="http://schemas.openxmlformats.org/presentationml/2006/main">
-  <p:cSld>
-    <p:spTree>
-      <p:nvGrpSpPr>
-        <p:cNvPr id="1" name=""/>
-        <p:cNvGrpSpPr/>
-        <p:nvPr/>
-      </p:nvGrpSpPr>
-      <p:grpSpPr>
-        <a:xfrm>
-          <a:off x="0" y="0"/>
-          <a:ext cx="0" cy="0"/>
-          <a:chOff x="0" y="0"/>
-          <a:chExt cx="0" cy="0"/>
-        </a:xfrm>
-      </p:grpSpPr>
-      <p:sp>
-        <p:nvSpPr>
           <p:cNvPr id="3" name="Content Placeholder 2"/>
           <p:cNvSpPr>
             <a:spLocks noGrp="1"/>
@@ -6270,7 +6197,7 @@
         <p:spPr>
           <a:xfrm>
             <a:off x="688622" y="444678"/>
-            <a:ext cx="8596668" cy="4906255"/>
+            <a:ext cx="8596668" cy="5625922"/>
           </a:xfrm>
         </p:spPr>
         <p:txBody>
@@ -6283,17 +6210,40 @@
               <a:buNone/>
             </a:pPr>
             <a:r>
-              <a:rPr lang="en-US" dirty="0"/>
-              <a:t>U</a:t>
-            </a:r>
+              <a:rPr lang="en-US" b="1" dirty="0"/>
+              <a:t>Prove of </a:t>
+            </a:r>
+            <a:r>
+              <a:rPr lang="en-US" b="1" dirty="0" smtClean="0"/>
+              <a:t>https://leetcode.com/problems/linked-list-cycle-ii</a:t>
+            </a:r>
+            <a:r>
+              <a:rPr lang="en-US" b="1" dirty="0"/>
+              <a:t>/</a:t>
+            </a:r>
+          </a:p>
+          <a:p>
+            <a:pPr marL="0" indent="0">
+              <a:buNone/>
+            </a:pPr>
+            <a:endParaRPr lang="en-US" dirty="0" smtClean="0"/>
+          </a:p>
+          <a:p>
+            <a:pPr marL="0" indent="0">
+              <a:buNone/>
+            </a:pPr>
             <a:r>
               <a:rPr lang="en-US" dirty="0" smtClean="0"/>
-              <a:t>sing </a:t>
+              <a:t>Using </a:t>
             </a:r>
             <a:r>
               <a:rPr lang="en-US" dirty="0"/>
               <a:t>two pointers, one of them one step at a time. another pointer each take two steps. </a:t>
             </a:r>
+            <a:r>
+              <a:rPr lang="en-US" dirty="0" smtClean="0"/>
+              <a:t>If there is a cycle, the slow and fast pointer will meet somewhere in the cycle.</a:t>
+            </a:r>
             <a:endParaRPr lang="en-US" dirty="0" smtClean="0"/>
           </a:p>
           <a:p>
@@ -6305,8 +6255,36 @@
               <a:t>Suppose </a:t>
             </a:r>
             <a:r>
+              <a:rPr lang="en-US" dirty="0" smtClean="0"/>
+              <a:t>the </a:t>
+            </a:r>
+            <a:r>
+              <a:rPr lang="en-US" dirty="0" smtClean="0"/>
+              <a:t>distance </a:t>
+            </a:r>
+            <a:r>
               <a:rPr lang="en-US" dirty="0"/>
-              <a:t>the first meet at step </a:t>
+              <a:t>between the start node of list and the start node of cycle is </a:t>
+            </a:r>
+            <a:r>
+              <a:rPr lang="en-US" b="1" i="1" dirty="0" smtClean="0">
+                <a:solidFill>
+                  <a:srgbClr val="FF0000"/>
+                </a:solidFill>
+              </a:rPr>
+              <a:t>s</a:t>
+            </a:r>
+            <a:r>
+              <a:rPr lang="en-US" dirty="0" smtClean="0"/>
+              <a:t>, </a:t>
+            </a:r>
+            <a:r>
+              <a:rPr lang="en-US" dirty="0" smtClean="0"/>
+              <a:t>the distance between start of cycle and the meet point is</a:t>
+            </a:r>
+            <a:r>
+              <a:rPr lang="en-US" dirty="0"/>
+              <a:t> </a:t>
             </a:r>
             <a:r>
               <a:rPr lang="en-US" b="1" i="1" dirty="0">
@@ -6336,6 +6314,50 @@
               <a:rPr lang="en-US" dirty="0"/>
               <a:t>. </a:t>
             </a:r>
+            <a:r>
+              <a:rPr lang="en-US" dirty="0" smtClean="0"/>
+              <a:t>When they meet, s</a:t>
+            </a:r>
+            <a:r>
+              <a:rPr lang="en-US" dirty="0" smtClean="0"/>
+              <a:t>low pointer walked </a:t>
+            </a:r>
+            <a:r>
+              <a:rPr lang="en-US" dirty="0" smtClean="0">
+                <a:solidFill>
+                  <a:srgbClr val="FF0000"/>
+                </a:solidFill>
+              </a:rPr>
+              <a:t>n</a:t>
+            </a:r>
+            <a:r>
+              <a:rPr lang="en-US" dirty="0" smtClean="0"/>
+              <a:t> rounds of the circle, totally walked </a:t>
+            </a:r>
+            <a:r>
+              <a:rPr lang="en-US" dirty="0" smtClean="0">
+                <a:solidFill>
+                  <a:srgbClr val="FF0000"/>
+                </a:solidFill>
+              </a:rPr>
+              <a:t>t</a:t>
+            </a:r>
+            <a:r>
+              <a:rPr lang="en-US" dirty="0" smtClean="0"/>
+              <a:t> steps from very beginning, faster pointer walked m rounds of the circle, totally walked </a:t>
+            </a:r>
+            <a:r>
+              <a:rPr lang="en-US" dirty="0" smtClean="0">
+                <a:solidFill>
+                  <a:srgbClr val="FF0000"/>
+                </a:solidFill>
+              </a:rPr>
+              <a:t>2t</a:t>
+            </a:r>
+            <a:r>
+              <a:rPr lang="en-US" dirty="0" smtClean="0"/>
+              <a:t> steps from very beginning.</a:t>
+            </a:r>
             <a:endParaRPr lang="en-US" dirty="0" smtClean="0"/>
           </a:p>
           <a:p>
@@ -6352,31 +6374,7 @@
                   <a:srgbClr val="FF0000"/>
                 </a:solidFill>
               </a:rPr>
-              <a:t>2k – k = </a:t>
-            </a:r>
-            <a:r>
-              <a:rPr lang="en-US" b="1" dirty="0" err="1" smtClean="0">
-                <a:solidFill>
-                  <a:srgbClr val="FF0000"/>
-                </a:solidFill>
-              </a:rPr>
-              <a:t>nr</a:t>
-            </a:r>
-            <a:r>
-              <a:rPr lang="en-US" b="1" dirty="0" smtClean="0">
-                <a:solidFill>
-                  <a:srgbClr val="FF0000"/>
-                </a:solidFill>
-              </a:rPr>
-              <a:t>, k = </a:t>
-            </a:r>
-            <a:r>
-              <a:rPr lang="en-US" b="1" dirty="0" err="1" smtClean="0">
-                <a:solidFill>
-                  <a:srgbClr val="FF0000"/>
-                </a:solidFill>
-              </a:rPr>
-              <a:t>nr</a:t>
+              <a:t>t = s + n * r + k, 2t = s + m * r + k =&gt; s = (m – 2n) * r - k</a:t>
             </a:r>
             <a:endParaRPr lang="en-US" b="1" dirty="0" smtClean="0">
               <a:solidFill>
@@ -6389,102 +6387,11 @@
               <a:buNone/>
             </a:pPr>
             <a:r>
-              <a:rPr lang="en-US" dirty="0"/>
-              <a:t>T</a:t>
-            </a:r>
-            <a:r>
               <a:rPr lang="en-US" dirty="0" smtClean="0"/>
-              <a:t>he </a:t>
-            </a:r>
-            <a:r>
-              <a:rPr lang="en-US" dirty="0"/>
-              <a:t>distance between the start node of list and the start node of cycle is </a:t>
-            </a:r>
-            <a:r>
-              <a:rPr lang="en-US" b="1" i="1" dirty="0">
-                <a:solidFill>
-                  <a:srgbClr val="FF0000"/>
-                </a:solidFill>
-              </a:rPr>
-              <a:t>s</a:t>
-            </a:r>
-            <a:r>
-              <a:rPr lang="en-US" dirty="0"/>
-              <a:t>. </a:t>
-            </a:r>
-            <a:endParaRPr lang="en-US" dirty="0" smtClean="0"/>
-          </a:p>
-          <a:p>
-            <a:pPr marL="0" indent="0">
-              <a:buNone/>
-            </a:pPr>
-            <a:r>
-              <a:rPr lang="en-US" dirty="0" smtClean="0"/>
-              <a:t>The </a:t>
-            </a:r>
-            <a:r>
-              <a:rPr lang="en-US" dirty="0"/>
-              <a:t>distance between the start of list and the first meeting node is </a:t>
-            </a:r>
-            <a:r>
-              <a:rPr lang="en-US" b="1" i="1" dirty="0">
-                <a:solidFill>
-                  <a:srgbClr val="FF0000"/>
-                </a:solidFill>
-              </a:rPr>
-              <a:t>k</a:t>
-            </a:r>
-            <a:r>
-              <a:rPr lang="en-US" dirty="0"/>
-              <a:t>(the pointer which </a:t>
-            </a:r>
-            <a:r>
-              <a:rPr lang="en-US" dirty="0" smtClean="0"/>
-              <a:t>walk one </a:t>
-            </a:r>
-            <a:r>
-              <a:rPr lang="en-US" dirty="0"/>
-              <a:t>step at a time </a:t>
-            </a:r>
-            <a:r>
-              <a:rPr lang="en-US" dirty="0"/>
-              <a:t>walk </a:t>
+              <a:t>Since </a:t>
             </a:r>
             <a:r>
               <a:rPr lang="en-US" dirty="0" smtClean="0">
-                <a:solidFill>
-                  <a:srgbClr val="FF0000"/>
-                </a:solidFill>
-              </a:rPr>
-              <a:t>k</a:t>
-            </a:r>
-            <a:r>
-              <a:rPr lang="en-US" dirty="0" smtClean="0"/>
-              <a:t> </a:t>
-            </a:r>
-            <a:r>
-              <a:rPr lang="en-US" dirty="0"/>
-              <a:t>steps</a:t>
-            </a:r>
-            <a:r>
-              <a:rPr lang="en-US" dirty="0" smtClean="0"/>
-              <a:t>).</a:t>
-            </a:r>
-          </a:p>
-          <a:p>
-            <a:pPr marL="0" indent="0">
-              <a:buNone/>
-            </a:pPr>
-            <a:r>
-              <a:rPr lang="en-US" dirty="0" smtClean="0"/>
-              <a:t>The </a:t>
-            </a:r>
-            <a:r>
-              <a:rPr lang="en-US" dirty="0"/>
-              <a:t>distance between the start node of cycle and the first meeting node is </a:t>
-            </a:r>
-            <a:r>
-              <a:rPr lang="en-US" b="1" i="1" dirty="0" smtClean="0">
                 <a:solidFill>
                   <a:srgbClr val="FF0000"/>
                 </a:solidFill>
@@ -6493,8 +6400,33 @@
             </a:r>
             <a:r>
               <a:rPr lang="en-US" dirty="0" smtClean="0"/>
-              <a:t> </a:t>
-            </a:r>
+              <a:t> and </a:t>
+            </a:r>
+            <a:r>
+              <a:rPr lang="en-US" dirty="0" smtClean="0">
+                <a:solidFill>
+                  <a:srgbClr val="FF0000"/>
+                </a:solidFill>
+              </a:rPr>
+              <a:t>n</a:t>
+            </a:r>
+            <a:r>
+              <a:rPr lang="en-US" dirty="0" smtClean="0"/>
+              <a:t> are integer, we denote it as </a:t>
+            </a:r>
+            <a:r>
+              <a:rPr lang="en-US" dirty="0" smtClean="0">
+                <a:solidFill>
+                  <a:srgbClr val="FF0000"/>
+                </a:solidFill>
+              </a:rPr>
+              <a:t>p</a:t>
+            </a:r>
+            <a:r>
+              <a:rPr lang="en-US" dirty="0" smtClean="0"/>
+              <a:t>.</a:t>
+            </a:r>
+            <a:endParaRPr lang="en-US" dirty="0" smtClean="0"/>
           </a:p>
           <a:p>
             <a:pPr marL="0" indent="0">
@@ -6510,60 +6442,41 @@
                   <a:srgbClr val="FF0000"/>
                 </a:solidFill>
               </a:rPr>
-              <a:t>s = k - m</a:t>
-            </a:r>
-            <a:r>
-              <a:rPr lang="en-US" b="1" dirty="0">
+              <a:t>s </a:t>
+            </a:r>
+            <a:r>
+              <a:rPr lang="en-US" b="1" dirty="0" smtClean="0">
                 <a:solidFill>
                   <a:srgbClr val="FF0000"/>
                 </a:solidFill>
               </a:rPr>
+              <a:t>= p * r – k</a:t>
+            </a:r>
+            <a:endParaRPr lang="en-US" dirty="0" smtClean="0"/>
+          </a:p>
+          <a:p>
+            <a:pPr marL="0" indent="0">
+              <a:buNone/>
+            </a:pPr>
+            <a:r>
+              <a:rPr lang="en-US" dirty="0" smtClean="0"/>
+              <a:t>That means</a:t>
+            </a:r>
+            <a:r>
+              <a:rPr lang="en-US" dirty="0" smtClean="0"/>
               <a:t>, </a:t>
             </a:r>
             <a:r>
-              <a:rPr lang="en-US" b="1" dirty="0" smtClean="0">
-                <a:solidFill>
-                  <a:srgbClr val="FF0000"/>
-                </a:solidFill>
-              </a:rPr>
-              <a:t>s = </a:t>
-            </a:r>
-            <a:r>
-              <a:rPr lang="en-US" b="1" dirty="0" err="1" smtClean="0">
-                <a:solidFill>
-                  <a:srgbClr val="FF0000"/>
-                </a:solidFill>
-              </a:rPr>
-              <a:t>nr</a:t>
-            </a:r>
-            <a:r>
-              <a:rPr lang="en-US" b="1" dirty="0" smtClean="0">
-                <a:solidFill>
-                  <a:srgbClr val="FF0000"/>
-                </a:solidFill>
-              </a:rPr>
-              <a:t> – m = (n - 1)r + (r - m)</a:t>
+              <a:rPr lang="en-US" dirty="0"/>
+              <a:t>using one pointer start from the start node of list, another pointer start from the first </a:t>
             </a:r>
             <a:r>
               <a:rPr lang="en-US" dirty="0" smtClean="0"/>
-              <a:t>.</a:t>
-            </a:r>
-          </a:p>
-          <a:p>
-            <a:pPr marL="0" indent="0">
-              <a:buNone/>
-            </a:pPr>
-            <a:r>
-              <a:rPr lang="en-US" dirty="0" smtClean="0"/>
-              <a:t>So</a:t>
+              <a:t>meet point, </a:t>
             </a:r>
             <a:r>
               <a:rPr lang="en-US" dirty="0"/>
-              <a:t>, using one pointer start from the start node of list, another pointer start from the first meeting node, all of them </a:t>
-            </a:r>
-            <a:r>
-              <a:rPr lang="en-US" dirty="0"/>
-              <a:t>walk </a:t>
+              <a:t>all of them walk </a:t>
             </a:r>
             <a:r>
               <a:rPr lang="en-US" dirty="0" smtClean="0"/>
@@ -6571,9 +6484,16 @@
             </a:r>
             <a:r>
               <a:rPr lang="en-US" dirty="0"/>
-              <a:t>step at a time, the first time they meeting each other is the start of the cycle.</a:t>
-            </a:r>
-            <a:endParaRPr lang="en-US" dirty="0"/>
+              <a:t>step at a time, the first time they </a:t>
+            </a:r>
+            <a:r>
+              <a:rPr lang="en-US" dirty="0" smtClean="0"/>
+              <a:t>meet </a:t>
+            </a:r>
+            <a:r>
+              <a:rPr lang="en-US" dirty="0"/>
+              <a:t>each other is the start of the cycle.</a:t>
+            </a:r>
           </a:p>
         </p:txBody>
       </p:sp>
@@ -6597,7 +6517,7 @@
 </p:sld>
 </file>
 
-<file path=ppt/slides/slide5.xml><?xml version="1.0" encoding="utf-8"?>
+<file path=ppt/slides/slide4.xml><?xml version="1.0" encoding="utf-8"?>
 <p:sld xmlns:a="http://schemas.openxmlformats.org/drawingml/2006/main" xmlns:r="http://schemas.openxmlformats.org/officeDocument/2006/relationships" xmlns:p="http://schemas.openxmlformats.org/presentationml/2006/main">
   <p:cSld>
     <p:spTree>
